--- a/abatinn/itrun3/kynning.pptx
+++ b/abatinn/itrun3/kynning.pptx
@@ -183,7 +183,7 @@
           <a:bodyPr anchor="b" bIns="0" lIns="0" rIns="0" tIns="0" wrap="none"/>
           <a:p>
             <a:pPr algn="r"/>
-            <a:fld id="{C1818131-1171-41C1-A1D1-E1C131112181}" type="slidenum">
+            <a:fld id="{C1D1B1C1-B171-41C1-A111-E18111D15101}" type="slidenum">
               <a:rPr lang="en-US"/>
               <a:t>&lt;number&gt;</a:t>
             </a:fld>
@@ -399,7 +399,7 @@
                 <a:spcPct val="100000"/>
               </a:lnSpc>
             </a:pPr>
-            <a:fld id="{8171C1A1-5111-4161-81C1-D151E10111F1}" type="slidenum">
+            <a:fld id="{D1811161-4121-4151-9161-4171619101A1}" type="slidenum">
               <a:rPr lang="en-US">
                 <a:solidFill>
                   <a:srgbClr val="103154"/>
@@ -484,7 +484,7 @@
                 <a:spcPct val="100000"/>
               </a:lnSpc>
             </a:pPr>
-            <a:fld id="{E10171E1-F1B1-4141-91C1-F1F1D1219151}" type="slidenum">
+            <a:fld id="{01F11141-6161-41F1-81A1-3131813121B1}" type="slidenum">
               <a:rPr lang="en-US">
                 <a:solidFill>
                   <a:srgbClr val="103154"/>
@@ -5668,7 +5668,7 @@
                 <a:spcPct val="100000"/>
               </a:lnSpc>
             </a:pPr>
-            <a:fld id="{41615171-A191-4141-A111-A1818121D1C1}" type="slidenum">
+            <a:fld id="{F1E1A1A1-9161-4121-B1B1-71D181716191}" type="slidenum">
               <a:rPr lang="en-US">
                 <a:solidFill>
                   <a:srgbClr val="103154"/>
@@ -6334,7 +6334,7 @@
                 <a:spcPct val="100000"/>
               </a:lnSpc>
             </a:pPr>
-            <a:fld id="{4161E111-4121-4101-A121-0101A17131F1}" type="slidenum">
+            <a:fld id="{A13161D1-5171-41C1-91F1-41811131A191}" type="slidenum">
               <a:rPr lang="en-US">
                 <a:solidFill>
                   <a:srgbClr val="103154"/>
@@ -6506,7 +6506,7 @@
                 <a:spcPct val="100000"/>
               </a:lnSpc>
             </a:pPr>
-            <a:fld id="{61C19171-C161-41B1-A141-0141E1918171}" type="slidenum">
+            <a:fld id="{D1E1C141-A161-41C1-8121-2111F1D181D1}" type="slidenum">
               <a:rPr lang="en-US">
                 <a:solidFill>
                   <a:srgbClr val="103154"/>
@@ -7091,8 +7091,8 @@
         </p:blipFill>
         <p:spPr>
           <a:xfrm>
-            <a:off x="3749040" y="2011680"/>
-            <a:ext cx="5198760" cy="4297680"/>
+            <a:off x="3840480" y="2377440"/>
+            <a:ext cx="5068800" cy="3931920"/>
           </a:xfrm>
           <a:prstGeom prst="rect">
             <a:avLst/>
